--- a/ppt 16-9/0968.只要信.pptx
+++ b/ppt 16-9/0968.只要信.pptx
@@ -129,7 +129,7 @@
           <p:cNvPr id="2" name="标题 1">
             <a:extLst>
               <a:ext uri="{FF2B5EF4-FFF2-40B4-BE49-F238E27FC236}">
-                <a16:creationId xmlns:a16="http://schemas.microsoft.com/office/drawing/2014/main" id="{9DB158C5-695B-3945-3725-1A8345DCCEEB}"/>
+                <a16:creationId xmlns:a16="http://schemas.microsoft.com/office/drawing/2014/main" id="{BB941C2B-EBB4-D120-6599-DA91501A9185}"/>
               </a:ext>
             </a:extLst>
           </p:cNvPr>
@@ -166,7 +166,7 @@
           <p:cNvPr id="3" name="副标题 2">
             <a:extLst>
               <a:ext uri="{FF2B5EF4-FFF2-40B4-BE49-F238E27FC236}">
-                <a16:creationId xmlns:a16="http://schemas.microsoft.com/office/drawing/2014/main" id="{C38DC504-1EF5-4ED3-F0FD-00C355C40A3D}"/>
+                <a16:creationId xmlns:a16="http://schemas.microsoft.com/office/drawing/2014/main" id="{52C4C412-C8F8-2690-0C2F-9E2767FA70D8}"/>
               </a:ext>
             </a:extLst>
           </p:cNvPr>
@@ -236,7 +236,7 @@
           <p:cNvPr id="4" name="日期占位符 3">
             <a:extLst>
               <a:ext uri="{FF2B5EF4-FFF2-40B4-BE49-F238E27FC236}">
-                <a16:creationId xmlns:a16="http://schemas.microsoft.com/office/drawing/2014/main" id="{3FAF0FCB-BC95-AABA-C01A-DD2A2B50E000}"/>
+                <a16:creationId xmlns:a16="http://schemas.microsoft.com/office/drawing/2014/main" id="{4584EB47-689B-20BC-C7D7-977E4E11BE9C}"/>
               </a:ext>
             </a:extLst>
           </p:cNvPr>
@@ -252,7 +252,7 @@
           <a:bodyPr/>
           <a:lstStyle/>
           <a:p>
-            <a:fld id="{742BCA3B-9737-423D-B33C-ABDC4C60E29A}" type="datetimeFigureOut">
+            <a:fld id="{38626AFF-ECEA-4C63-A9B6-BC7D69B196AF}" type="datetimeFigureOut">
               <a:rPr lang="zh-CN" altLang="en-US" smtClean="0"/>
               <a:t>2024/3/10</a:t>
             </a:fld>
@@ -265,7 +265,7 @@
           <p:cNvPr id="5" name="页脚占位符 4">
             <a:extLst>
               <a:ext uri="{FF2B5EF4-FFF2-40B4-BE49-F238E27FC236}">
-                <a16:creationId xmlns:a16="http://schemas.microsoft.com/office/drawing/2014/main" id="{DF9F006D-8BE9-AA73-7940-C359980E18D2}"/>
+                <a16:creationId xmlns:a16="http://schemas.microsoft.com/office/drawing/2014/main" id="{71EC4180-50F3-98F1-6A75-71FA053ED777}"/>
               </a:ext>
             </a:extLst>
           </p:cNvPr>
@@ -290,7 +290,7 @@
           <p:cNvPr id="6" name="灯片编号占位符 5">
             <a:extLst>
               <a:ext uri="{FF2B5EF4-FFF2-40B4-BE49-F238E27FC236}">
-                <a16:creationId xmlns:a16="http://schemas.microsoft.com/office/drawing/2014/main" id="{6D731B04-EDC3-F72D-09C5-21BC8C02A042}"/>
+                <a16:creationId xmlns:a16="http://schemas.microsoft.com/office/drawing/2014/main" id="{1F789FA3-B3F2-3240-9E32-5CE7B130CEC0}"/>
               </a:ext>
             </a:extLst>
           </p:cNvPr>
@@ -306,7 +306,7 @@
           <a:bodyPr/>
           <a:lstStyle/>
           <a:p>
-            <a:fld id="{21E18E5E-FA1F-4AF6-9AE0-34144E482704}" type="slidenum">
+            <a:fld id="{02F9E863-3178-4685-A8DC-D4C4D335DA89}" type="slidenum">
               <a:rPr lang="zh-CN" altLang="en-US" smtClean="0"/>
               <a:t>‹#›</a:t>
             </a:fld>
@@ -317,7 +317,7 @@
     </p:spTree>
     <p:extLst>
       <p:ext uri="{BB962C8B-B14F-4D97-AF65-F5344CB8AC3E}">
-        <p14:creationId xmlns:p14="http://schemas.microsoft.com/office/powerpoint/2010/main" val="3262610485"/>
+        <p14:creationId xmlns:p14="http://schemas.microsoft.com/office/powerpoint/2010/main" val="2816017364"/>
       </p:ext>
     </p:extLst>
   </p:cSld>
@@ -349,7 +349,7 @@
           <p:cNvPr id="2" name="标题 1">
             <a:extLst>
               <a:ext uri="{FF2B5EF4-FFF2-40B4-BE49-F238E27FC236}">
-                <a16:creationId xmlns:a16="http://schemas.microsoft.com/office/drawing/2014/main" id="{36AF8196-15A3-A415-FDAE-3C65FB62BC3B}"/>
+                <a16:creationId xmlns:a16="http://schemas.microsoft.com/office/drawing/2014/main" id="{FFC4BAA2-9CD5-DBAA-9940-ACF7E3A6F10D}"/>
               </a:ext>
             </a:extLst>
           </p:cNvPr>
@@ -377,7 +377,7 @@
           <p:cNvPr id="3" name="竖排文字占位符 2">
             <a:extLst>
               <a:ext uri="{FF2B5EF4-FFF2-40B4-BE49-F238E27FC236}">
-                <a16:creationId xmlns:a16="http://schemas.microsoft.com/office/drawing/2014/main" id="{0213272A-7AAA-9EFB-1674-9FECA441937C}"/>
+                <a16:creationId xmlns:a16="http://schemas.microsoft.com/office/drawing/2014/main" id="{9387B685-B8C3-11E8-B18A-763818823C1E}"/>
               </a:ext>
             </a:extLst>
           </p:cNvPr>
@@ -434,7 +434,7 @@
           <p:cNvPr id="4" name="日期占位符 3">
             <a:extLst>
               <a:ext uri="{FF2B5EF4-FFF2-40B4-BE49-F238E27FC236}">
-                <a16:creationId xmlns:a16="http://schemas.microsoft.com/office/drawing/2014/main" id="{C8DFB6A1-A420-F579-5C5B-A46FB1D9D409}"/>
+                <a16:creationId xmlns:a16="http://schemas.microsoft.com/office/drawing/2014/main" id="{EE725B57-F344-7914-B95B-932F5432A627}"/>
               </a:ext>
             </a:extLst>
           </p:cNvPr>
@@ -450,7 +450,7 @@
           <a:bodyPr/>
           <a:lstStyle/>
           <a:p>
-            <a:fld id="{742BCA3B-9737-423D-B33C-ABDC4C60E29A}" type="datetimeFigureOut">
+            <a:fld id="{38626AFF-ECEA-4C63-A9B6-BC7D69B196AF}" type="datetimeFigureOut">
               <a:rPr lang="zh-CN" altLang="en-US" smtClean="0"/>
               <a:t>2024/3/10</a:t>
             </a:fld>
@@ -463,7 +463,7 @@
           <p:cNvPr id="5" name="页脚占位符 4">
             <a:extLst>
               <a:ext uri="{FF2B5EF4-FFF2-40B4-BE49-F238E27FC236}">
-                <a16:creationId xmlns:a16="http://schemas.microsoft.com/office/drawing/2014/main" id="{510533D3-5968-1B12-6C29-062C9A3A3905}"/>
+                <a16:creationId xmlns:a16="http://schemas.microsoft.com/office/drawing/2014/main" id="{20F376F9-707E-6A4A-CE96-AED0A9338F1C}"/>
               </a:ext>
             </a:extLst>
           </p:cNvPr>
@@ -488,7 +488,7 @@
           <p:cNvPr id="6" name="灯片编号占位符 5">
             <a:extLst>
               <a:ext uri="{FF2B5EF4-FFF2-40B4-BE49-F238E27FC236}">
-                <a16:creationId xmlns:a16="http://schemas.microsoft.com/office/drawing/2014/main" id="{C1CBC5E7-33CC-CDDF-A03E-EB93A890FA24}"/>
+                <a16:creationId xmlns:a16="http://schemas.microsoft.com/office/drawing/2014/main" id="{2007142F-B476-AFF2-A791-B41E87C5A63F}"/>
               </a:ext>
             </a:extLst>
           </p:cNvPr>
@@ -504,7 +504,7 @@
           <a:bodyPr/>
           <a:lstStyle/>
           <a:p>
-            <a:fld id="{21E18E5E-FA1F-4AF6-9AE0-34144E482704}" type="slidenum">
+            <a:fld id="{02F9E863-3178-4685-A8DC-D4C4D335DA89}" type="slidenum">
               <a:rPr lang="zh-CN" altLang="en-US" smtClean="0"/>
               <a:t>‹#›</a:t>
             </a:fld>
@@ -515,7 +515,7 @@
     </p:spTree>
     <p:extLst>
       <p:ext uri="{BB962C8B-B14F-4D97-AF65-F5344CB8AC3E}">
-        <p14:creationId xmlns:p14="http://schemas.microsoft.com/office/powerpoint/2010/main" val="657313237"/>
+        <p14:creationId xmlns:p14="http://schemas.microsoft.com/office/powerpoint/2010/main" val="80949756"/>
       </p:ext>
     </p:extLst>
   </p:cSld>
@@ -547,7 +547,7 @@
           <p:cNvPr id="2" name="竖排标题 1">
             <a:extLst>
               <a:ext uri="{FF2B5EF4-FFF2-40B4-BE49-F238E27FC236}">
-                <a16:creationId xmlns:a16="http://schemas.microsoft.com/office/drawing/2014/main" id="{0F5DF9FB-2745-B2BC-910E-75C9E33E9CD2}"/>
+                <a16:creationId xmlns:a16="http://schemas.microsoft.com/office/drawing/2014/main" id="{7111E4B2-C119-6B2C-8099-335C3570144D}"/>
               </a:ext>
             </a:extLst>
           </p:cNvPr>
@@ -580,7 +580,7 @@
           <p:cNvPr id="3" name="竖排文字占位符 2">
             <a:extLst>
               <a:ext uri="{FF2B5EF4-FFF2-40B4-BE49-F238E27FC236}">
-                <a16:creationId xmlns:a16="http://schemas.microsoft.com/office/drawing/2014/main" id="{44A371E3-2F43-8F08-69D3-B621A8FB2ED2}"/>
+                <a16:creationId xmlns:a16="http://schemas.microsoft.com/office/drawing/2014/main" id="{66203E2F-7800-AD6F-744D-43DB383E117E}"/>
               </a:ext>
             </a:extLst>
           </p:cNvPr>
@@ -642,7 +642,7 @@
           <p:cNvPr id="4" name="日期占位符 3">
             <a:extLst>
               <a:ext uri="{FF2B5EF4-FFF2-40B4-BE49-F238E27FC236}">
-                <a16:creationId xmlns:a16="http://schemas.microsoft.com/office/drawing/2014/main" id="{F51CEC03-EA33-DE33-51A6-A954D1432A2E}"/>
+                <a16:creationId xmlns:a16="http://schemas.microsoft.com/office/drawing/2014/main" id="{EA6BB13C-F386-8B91-10C7-574AC9C3465E}"/>
               </a:ext>
             </a:extLst>
           </p:cNvPr>
@@ -658,7 +658,7 @@
           <a:bodyPr/>
           <a:lstStyle/>
           <a:p>
-            <a:fld id="{742BCA3B-9737-423D-B33C-ABDC4C60E29A}" type="datetimeFigureOut">
+            <a:fld id="{38626AFF-ECEA-4C63-A9B6-BC7D69B196AF}" type="datetimeFigureOut">
               <a:rPr lang="zh-CN" altLang="en-US" smtClean="0"/>
               <a:t>2024/3/10</a:t>
             </a:fld>
@@ -671,7 +671,7 @@
           <p:cNvPr id="5" name="页脚占位符 4">
             <a:extLst>
               <a:ext uri="{FF2B5EF4-FFF2-40B4-BE49-F238E27FC236}">
-                <a16:creationId xmlns:a16="http://schemas.microsoft.com/office/drawing/2014/main" id="{FA360D29-E628-C62D-FDCA-A1BDE72975D7}"/>
+                <a16:creationId xmlns:a16="http://schemas.microsoft.com/office/drawing/2014/main" id="{9D76D2AD-33BB-897A-8B11-83A3FD914A05}"/>
               </a:ext>
             </a:extLst>
           </p:cNvPr>
@@ -696,7 +696,7 @@
           <p:cNvPr id="6" name="灯片编号占位符 5">
             <a:extLst>
               <a:ext uri="{FF2B5EF4-FFF2-40B4-BE49-F238E27FC236}">
-                <a16:creationId xmlns:a16="http://schemas.microsoft.com/office/drawing/2014/main" id="{83B7D731-CAEE-EEEE-E87F-72F52CD993DC}"/>
+                <a16:creationId xmlns:a16="http://schemas.microsoft.com/office/drawing/2014/main" id="{6BC49F1B-CF3A-B70D-96F3-B8E8327CBC05}"/>
               </a:ext>
             </a:extLst>
           </p:cNvPr>
@@ -712,7 +712,7 @@
           <a:bodyPr/>
           <a:lstStyle/>
           <a:p>
-            <a:fld id="{21E18E5E-FA1F-4AF6-9AE0-34144E482704}" type="slidenum">
+            <a:fld id="{02F9E863-3178-4685-A8DC-D4C4D335DA89}" type="slidenum">
               <a:rPr lang="zh-CN" altLang="en-US" smtClean="0"/>
               <a:t>‹#›</a:t>
             </a:fld>
@@ -723,7 +723,7 @@
     </p:spTree>
     <p:extLst>
       <p:ext uri="{BB962C8B-B14F-4D97-AF65-F5344CB8AC3E}">
-        <p14:creationId xmlns:p14="http://schemas.microsoft.com/office/powerpoint/2010/main" val="3634028033"/>
+        <p14:creationId xmlns:p14="http://schemas.microsoft.com/office/powerpoint/2010/main" val="352564150"/>
       </p:ext>
     </p:extLst>
   </p:cSld>
@@ -755,7 +755,7 @@
           <p:cNvPr id="2" name="标题 1">
             <a:extLst>
               <a:ext uri="{FF2B5EF4-FFF2-40B4-BE49-F238E27FC236}">
-                <a16:creationId xmlns:a16="http://schemas.microsoft.com/office/drawing/2014/main" id="{4BE57195-ACBA-FEBF-B6EE-1AD52E5ECF05}"/>
+                <a16:creationId xmlns:a16="http://schemas.microsoft.com/office/drawing/2014/main" id="{8DACFE88-D264-5306-D9DA-E7C00217B8D5}"/>
               </a:ext>
             </a:extLst>
           </p:cNvPr>
@@ -783,7 +783,7 @@
           <p:cNvPr id="3" name="内容占位符 2">
             <a:extLst>
               <a:ext uri="{FF2B5EF4-FFF2-40B4-BE49-F238E27FC236}">
-                <a16:creationId xmlns:a16="http://schemas.microsoft.com/office/drawing/2014/main" id="{51EA22A7-C7BE-2B4E-62C3-391FE3DDE900}"/>
+                <a16:creationId xmlns:a16="http://schemas.microsoft.com/office/drawing/2014/main" id="{9B22D861-BC43-08BA-3FDC-D5B395B58141}"/>
               </a:ext>
             </a:extLst>
           </p:cNvPr>
@@ -840,7 +840,7 @@
           <p:cNvPr id="4" name="日期占位符 3">
             <a:extLst>
               <a:ext uri="{FF2B5EF4-FFF2-40B4-BE49-F238E27FC236}">
-                <a16:creationId xmlns:a16="http://schemas.microsoft.com/office/drawing/2014/main" id="{33B5CF08-240A-4754-D836-A8C2012D2182}"/>
+                <a16:creationId xmlns:a16="http://schemas.microsoft.com/office/drawing/2014/main" id="{6B350C23-E3C8-2474-71F0-E52AD8569BB3}"/>
               </a:ext>
             </a:extLst>
           </p:cNvPr>
@@ -856,7 +856,7 @@
           <a:bodyPr/>
           <a:lstStyle/>
           <a:p>
-            <a:fld id="{742BCA3B-9737-423D-B33C-ABDC4C60E29A}" type="datetimeFigureOut">
+            <a:fld id="{38626AFF-ECEA-4C63-A9B6-BC7D69B196AF}" type="datetimeFigureOut">
               <a:rPr lang="zh-CN" altLang="en-US" smtClean="0"/>
               <a:t>2024/3/10</a:t>
             </a:fld>
@@ -869,7 +869,7 @@
           <p:cNvPr id="5" name="页脚占位符 4">
             <a:extLst>
               <a:ext uri="{FF2B5EF4-FFF2-40B4-BE49-F238E27FC236}">
-                <a16:creationId xmlns:a16="http://schemas.microsoft.com/office/drawing/2014/main" id="{7814FC65-3795-DE4F-8EA6-B0A38DD4928B}"/>
+                <a16:creationId xmlns:a16="http://schemas.microsoft.com/office/drawing/2014/main" id="{FDF6D379-A430-C927-859A-0FB37530F049}"/>
               </a:ext>
             </a:extLst>
           </p:cNvPr>
@@ -894,7 +894,7 @@
           <p:cNvPr id="6" name="灯片编号占位符 5">
             <a:extLst>
               <a:ext uri="{FF2B5EF4-FFF2-40B4-BE49-F238E27FC236}">
-                <a16:creationId xmlns:a16="http://schemas.microsoft.com/office/drawing/2014/main" id="{A012D48E-078F-4F73-E4D9-FAC774E4770B}"/>
+                <a16:creationId xmlns:a16="http://schemas.microsoft.com/office/drawing/2014/main" id="{2BB77870-D9DA-EA3F-F4EB-8FE139BE6902}"/>
               </a:ext>
             </a:extLst>
           </p:cNvPr>
@@ -910,7 +910,7 @@
           <a:bodyPr/>
           <a:lstStyle/>
           <a:p>
-            <a:fld id="{21E18E5E-FA1F-4AF6-9AE0-34144E482704}" type="slidenum">
+            <a:fld id="{02F9E863-3178-4685-A8DC-D4C4D335DA89}" type="slidenum">
               <a:rPr lang="zh-CN" altLang="en-US" smtClean="0"/>
               <a:t>‹#›</a:t>
             </a:fld>
@@ -921,7 +921,7 @@
     </p:spTree>
     <p:extLst>
       <p:ext uri="{BB962C8B-B14F-4D97-AF65-F5344CB8AC3E}">
-        <p14:creationId xmlns:p14="http://schemas.microsoft.com/office/powerpoint/2010/main" val="3657777576"/>
+        <p14:creationId xmlns:p14="http://schemas.microsoft.com/office/powerpoint/2010/main" val="1814142109"/>
       </p:ext>
     </p:extLst>
   </p:cSld>
@@ -953,7 +953,7 @@
           <p:cNvPr id="2" name="标题 1">
             <a:extLst>
               <a:ext uri="{FF2B5EF4-FFF2-40B4-BE49-F238E27FC236}">
-                <a16:creationId xmlns:a16="http://schemas.microsoft.com/office/drawing/2014/main" id="{1D6E7C2E-F049-3A28-C292-3CE8C7529A50}"/>
+                <a16:creationId xmlns:a16="http://schemas.microsoft.com/office/drawing/2014/main" id="{41B52C91-FCCB-3B3C-8BEF-0E363EED2E58}"/>
               </a:ext>
             </a:extLst>
           </p:cNvPr>
@@ -990,7 +990,7 @@
           <p:cNvPr id="3" name="文本占位符 2">
             <a:extLst>
               <a:ext uri="{FF2B5EF4-FFF2-40B4-BE49-F238E27FC236}">
-                <a16:creationId xmlns:a16="http://schemas.microsoft.com/office/drawing/2014/main" id="{20C6EF0C-4890-FCFF-0EFF-E9FC8DD6951A}"/>
+                <a16:creationId xmlns:a16="http://schemas.microsoft.com/office/drawing/2014/main" id="{679D54DE-319F-C97A-B946-FCE6C87C0B8D}"/>
               </a:ext>
             </a:extLst>
           </p:cNvPr>
@@ -1115,7 +1115,7 @@
           <p:cNvPr id="4" name="日期占位符 3">
             <a:extLst>
               <a:ext uri="{FF2B5EF4-FFF2-40B4-BE49-F238E27FC236}">
-                <a16:creationId xmlns:a16="http://schemas.microsoft.com/office/drawing/2014/main" id="{C729AF3E-8F6A-7356-1DCA-14084695D0CC}"/>
+                <a16:creationId xmlns:a16="http://schemas.microsoft.com/office/drawing/2014/main" id="{8A5A57BB-D5DB-EE52-8E15-632C59DA8B40}"/>
               </a:ext>
             </a:extLst>
           </p:cNvPr>
@@ -1131,7 +1131,7 @@
           <a:bodyPr/>
           <a:lstStyle/>
           <a:p>
-            <a:fld id="{742BCA3B-9737-423D-B33C-ABDC4C60E29A}" type="datetimeFigureOut">
+            <a:fld id="{38626AFF-ECEA-4C63-A9B6-BC7D69B196AF}" type="datetimeFigureOut">
               <a:rPr lang="zh-CN" altLang="en-US" smtClean="0"/>
               <a:t>2024/3/10</a:t>
             </a:fld>
@@ -1144,7 +1144,7 @@
           <p:cNvPr id="5" name="页脚占位符 4">
             <a:extLst>
               <a:ext uri="{FF2B5EF4-FFF2-40B4-BE49-F238E27FC236}">
-                <a16:creationId xmlns:a16="http://schemas.microsoft.com/office/drawing/2014/main" id="{ED939981-5091-5CA0-FA86-CC851DD2A399}"/>
+                <a16:creationId xmlns:a16="http://schemas.microsoft.com/office/drawing/2014/main" id="{420D1E24-664F-CD49-1515-74E000AC90E0}"/>
               </a:ext>
             </a:extLst>
           </p:cNvPr>
@@ -1169,7 +1169,7 @@
           <p:cNvPr id="6" name="灯片编号占位符 5">
             <a:extLst>
               <a:ext uri="{FF2B5EF4-FFF2-40B4-BE49-F238E27FC236}">
-                <a16:creationId xmlns:a16="http://schemas.microsoft.com/office/drawing/2014/main" id="{A6A5B3B0-CAD0-1DBD-F206-C2984AC6B5A4}"/>
+                <a16:creationId xmlns:a16="http://schemas.microsoft.com/office/drawing/2014/main" id="{D74A3AAD-5169-0249-3EBB-5608F6095BD3}"/>
               </a:ext>
             </a:extLst>
           </p:cNvPr>
@@ -1185,7 +1185,7 @@
           <a:bodyPr/>
           <a:lstStyle/>
           <a:p>
-            <a:fld id="{21E18E5E-FA1F-4AF6-9AE0-34144E482704}" type="slidenum">
+            <a:fld id="{02F9E863-3178-4685-A8DC-D4C4D335DA89}" type="slidenum">
               <a:rPr lang="zh-CN" altLang="en-US" smtClean="0"/>
               <a:t>‹#›</a:t>
             </a:fld>
@@ -1196,7 +1196,7 @@
     </p:spTree>
     <p:extLst>
       <p:ext uri="{BB962C8B-B14F-4D97-AF65-F5344CB8AC3E}">
-        <p14:creationId xmlns:p14="http://schemas.microsoft.com/office/powerpoint/2010/main" val="2080597190"/>
+        <p14:creationId xmlns:p14="http://schemas.microsoft.com/office/powerpoint/2010/main" val="1902937221"/>
       </p:ext>
     </p:extLst>
   </p:cSld>
@@ -1228,7 +1228,7 @@
           <p:cNvPr id="2" name="标题 1">
             <a:extLst>
               <a:ext uri="{FF2B5EF4-FFF2-40B4-BE49-F238E27FC236}">
-                <a16:creationId xmlns:a16="http://schemas.microsoft.com/office/drawing/2014/main" id="{BA85C1CA-E643-13E8-E8EA-7BE836FFE35A}"/>
+                <a16:creationId xmlns:a16="http://schemas.microsoft.com/office/drawing/2014/main" id="{47297603-F678-114D-73DB-A87C54362400}"/>
               </a:ext>
             </a:extLst>
           </p:cNvPr>
@@ -1256,7 +1256,7 @@
           <p:cNvPr id="3" name="内容占位符 2">
             <a:extLst>
               <a:ext uri="{FF2B5EF4-FFF2-40B4-BE49-F238E27FC236}">
-                <a16:creationId xmlns:a16="http://schemas.microsoft.com/office/drawing/2014/main" id="{C3800EB2-F2AE-2F92-2777-CB8889D8B998}"/>
+                <a16:creationId xmlns:a16="http://schemas.microsoft.com/office/drawing/2014/main" id="{EE810717-E5CB-84A6-0536-12BCE8F2645A}"/>
               </a:ext>
             </a:extLst>
           </p:cNvPr>
@@ -1318,7 +1318,7 @@
           <p:cNvPr id="4" name="内容占位符 3">
             <a:extLst>
               <a:ext uri="{FF2B5EF4-FFF2-40B4-BE49-F238E27FC236}">
-                <a16:creationId xmlns:a16="http://schemas.microsoft.com/office/drawing/2014/main" id="{EB6512EC-89CC-8534-0F6A-0B4CE7EA23F6}"/>
+                <a16:creationId xmlns:a16="http://schemas.microsoft.com/office/drawing/2014/main" id="{9C8E00ED-1AA8-97E0-B3AE-C1249AF447E6}"/>
               </a:ext>
             </a:extLst>
           </p:cNvPr>
@@ -1380,7 +1380,7 @@
           <p:cNvPr id="5" name="日期占位符 4">
             <a:extLst>
               <a:ext uri="{FF2B5EF4-FFF2-40B4-BE49-F238E27FC236}">
-                <a16:creationId xmlns:a16="http://schemas.microsoft.com/office/drawing/2014/main" id="{1152FCC0-765B-5DD0-FEF3-2A7C4C89849A}"/>
+                <a16:creationId xmlns:a16="http://schemas.microsoft.com/office/drawing/2014/main" id="{6E68F3C1-9EBB-9961-8181-0929D6A7E401}"/>
               </a:ext>
             </a:extLst>
           </p:cNvPr>
@@ -1396,7 +1396,7 @@
           <a:bodyPr/>
           <a:lstStyle/>
           <a:p>
-            <a:fld id="{742BCA3B-9737-423D-B33C-ABDC4C60E29A}" type="datetimeFigureOut">
+            <a:fld id="{38626AFF-ECEA-4C63-A9B6-BC7D69B196AF}" type="datetimeFigureOut">
               <a:rPr lang="zh-CN" altLang="en-US" smtClean="0"/>
               <a:t>2024/3/10</a:t>
             </a:fld>
@@ -1409,7 +1409,7 @@
           <p:cNvPr id="6" name="页脚占位符 5">
             <a:extLst>
               <a:ext uri="{FF2B5EF4-FFF2-40B4-BE49-F238E27FC236}">
-                <a16:creationId xmlns:a16="http://schemas.microsoft.com/office/drawing/2014/main" id="{E676E141-0627-70D9-BEB4-E459ABE788B6}"/>
+                <a16:creationId xmlns:a16="http://schemas.microsoft.com/office/drawing/2014/main" id="{596C17E8-EEDE-04D9-F46A-A8071BEFC529}"/>
               </a:ext>
             </a:extLst>
           </p:cNvPr>
@@ -1434,7 +1434,7 @@
           <p:cNvPr id="7" name="灯片编号占位符 6">
             <a:extLst>
               <a:ext uri="{FF2B5EF4-FFF2-40B4-BE49-F238E27FC236}">
-                <a16:creationId xmlns:a16="http://schemas.microsoft.com/office/drawing/2014/main" id="{499E2CA3-D089-9494-F07E-F94DCA3DFEB2}"/>
+                <a16:creationId xmlns:a16="http://schemas.microsoft.com/office/drawing/2014/main" id="{B326DE56-A483-43D1-E1A3-BA776ACCEEF1}"/>
               </a:ext>
             </a:extLst>
           </p:cNvPr>
@@ -1450,7 +1450,7 @@
           <a:bodyPr/>
           <a:lstStyle/>
           <a:p>
-            <a:fld id="{21E18E5E-FA1F-4AF6-9AE0-34144E482704}" type="slidenum">
+            <a:fld id="{02F9E863-3178-4685-A8DC-D4C4D335DA89}" type="slidenum">
               <a:rPr lang="zh-CN" altLang="en-US" smtClean="0"/>
               <a:t>‹#›</a:t>
             </a:fld>
@@ -1461,7 +1461,7 @@
     </p:spTree>
     <p:extLst>
       <p:ext uri="{BB962C8B-B14F-4D97-AF65-F5344CB8AC3E}">
-        <p14:creationId xmlns:p14="http://schemas.microsoft.com/office/powerpoint/2010/main" val="2560268074"/>
+        <p14:creationId xmlns:p14="http://schemas.microsoft.com/office/powerpoint/2010/main" val="238237008"/>
       </p:ext>
     </p:extLst>
   </p:cSld>
@@ -1493,7 +1493,7 @@
           <p:cNvPr id="2" name="标题 1">
             <a:extLst>
               <a:ext uri="{FF2B5EF4-FFF2-40B4-BE49-F238E27FC236}">
-                <a16:creationId xmlns:a16="http://schemas.microsoft.com/office/drawing/2014/main" id="{64B98C99-D6F4-667F-6D81-E286016752BE}"/>
+                <a16:creationId xmlns:a16="http://schemas.microsoft.com/office/drawing/2014/main" id="{29A30A7D-76CA-E6B9-1A7E-EF04FEAF0CAD}"/>
               </a:ext>
             </a:extLst>
           </p:cNvPr>
@@ -1526,7 +1526,7 @@
           <p:cNvPr id="3" name="文本占位符 2">
             <a:extLst>
               <a:ext uri="{FF2B5EF4-FFF2-40B4-BE49-F238E27FC236}">
-                <a16:creationId xmlns:a16="http://schemas.microsoft.com/office/drawing/2014/main" id="{DB0F50D4-0A13-018E-EC13-32600FC881C7}"/>
+                <a16:creationId xmlns:a16="http://schemas.microsoft.com/office/drawing/2014/main" id="{25306B52-C856-4A06-A682-563D8D4F4C38}"/>
               </a:ext>
             </a:extLst>
           </p:cNvPr>
@@ -1597,7 +1597,7 @@
           <p:cNvPr id="4" name="内容占位符 3">
             <a:extLst>
               <a:ext uri="{FF2B5EF4-FFF2-40B4-BE49-F238E27FC236}">
-                <a16:creationId xmlns:a16="http://schemas.microsoft.com/office/drawing/2014/main" id="{B9222F1D-2973-9215-B26D-D3713AD1C50B}"/>
+                <a16:creationId xmlns:a16="http://schemas.microsoft.com/office/drawing/2014/main" id="{BF9B115D-FACE-8141-A443-77C35171DA76}"/>
               </a:ext>
             </a:extLst>
           </p:cNvPr>
@@ -1659,7 +1659,7 @@
           <p:cNvPr id="5" name="文本占位符 4">
             <a:extLst>
               <a:ext uri="{FF2B5EF4-FFF2-40B4-BE49-F238E27FC236}">
-                <a16:creationId xmlns:a16="http://schemas.microsoft.com/office/drawing/2014/main" id="{FF8142CB-6245-EA26-0379-3D96C090FD89}"/>
+                <a16:creationId xmlns:a16="http://schemas.microsoft.com/office/drawing/2014/main" id="{7594EB1D-9F03-EE73-76F1-90D726AE81E0}"/>
               </a:ext>
             </a:extLst>
           </p:cNvPr>
@@ -1730,7 +1730,7 @@
           <p:cNvPr id="6" name="内容占位符 5">
             <a:extLst>
               <a:ext uri="{FF2B5EF4-FFF2-40B4-BE49-F238E27FC236}">
-                <a16:creationId xmlns:a16="http://schemas.microsoft.com/office/drawing/2014/main" id="{4E522E5B-DF54-3634-DC6F-7E1015009FA9}"/>
+                <a16:creationId xmlns:a16="http://schemas.microsoft.com/office/drawing/2014/main" id="{BA97DA65-C189-D6A9-CE76-0835A2043971}"/>
               </a:ext>
             </a:extLst>
           </p:cNvPr>
@@ -1792,7 +1792,7 @@
           <p:cNvPr id="7" name="日期占位符 6">
             <a:extLst>
               <a:ext uri="{FF2B5EF4-FFF2-40B4-BE49-F238E27FC236}">
-                <a16:creationId xmlns:a16="http://schemas.microsoft.com/office/drawing/2014/main" id="{7028683A-57CC-C540-56BF-D22EC54438C0}"/>
+                <a16:creationId xmlns:a16="http://schemas.microsoft.com/office/drawing/2014/main" id="{AB9F4505-8584-17EA-4674-620CCFE7F0AD}"/>
               </a:ext>
             </a:extLst>
           </p:cNvPr>
@@ -1808,7 +1808,7 @@
           <a:bodyPr/>
           <a:lstStyle/>
           <a:p>
-            <a:fld id="{742BCA3B-9737-423D-B33C-ABDC4C60E29A}" type="datetimeFigureOut">
+            <a:fld id="{38626AFF-ECEA-4C63-A9B6-BC7D69B196AF}" type="datetimeFigureOut">
               <a:rPr lang="zh-CN" altLang="en-US" smtClean="0"/>
               <a:t>2024/3/10</a:t>
             </a:fld>
@@ -1821,7 +1821,7 @@
           <p:cNvPr id="8" name="页脚占位符 7">
             <a:extLst>
               <a:ext uri="{FF2B5EF4-FFF2-40B4-BE49-F238E27FC236}">
-                <a16:creationId xmlns:a16="http://schemas.microsoft.com/office/drawing/2014/main" id="{8325E268-3D06-2E5E-1E20-D92BE4DB01A6}"/>
+                <a16:creationId xmlns:a16="http://schemas.microsoft.com/office/drawing/2014/main" id="{663DBE97-AEC3-458F-9E7B-C3FEFADEF82D}"/>
               </a:ext>
             </a:extLst>
           </p:cNvPr>
@@ -1846,7 +1846,7 @@
           <p:cNvPr id="9" name="灯片编号占位符 8">
             <a:extLst>
               <a:ext uri="{FF2B5EF4-FFF2-40B4-BE49-F238E27FC236}">
-                <a16:creationId xmlns:a16="http://schemas.microsoft.com/office/drawing/2014/main" id="{988D92E9-9608-4A50-8C62-4536740BE885}"/>
+                <a16:creationId xmlns:a16="http://schemas.microsoft.com/office/drawing/2014/main" id="{336B1BB1-4492-FAB9-FBBB-F7F811D5962A}"/>
               </a:ext>
             </a:extLst>
           </p:cNvPr>
@@ -1862,7 +1862,7 @@
           <a:bodyPr/>
           <a:lstStyle/>
           <a:p>
-            <a:fld id="{21E18E5E-FA1F-4AF6-9AE0-34144E482704}" type="slidenum">
+            <a:fld id="{02F9E863-3178-4685-A8DC-D4C4D335DA89}" type="slidenum">
               <a:rPr lang="zh-CN" altLang="en-US" smtClean="0"/>
               <a:t>‹#›</a:t>
             </a:fld>
@@ -1873,7 +1873,7 @@
     </p:spTree>
     <p:extLst>
       <p:ext uri="{BB962C8B-B14F-4D97-AF65-F5344CB8AC3E}">
-        <p14:creationId xmlns:p14="http://schemas.microsoft.com/office/powerpoint/2010/main" val="2853353955"/>
+        <p14:creationId xmlns:p14="http://schemas.microsoft.com/office/powerpoint/2010/main" val="1218857875"/>
       </p:ext>
     </p:extLst>
   </p:cSld>
@@ -1905,7 +1905,7 @@
           <p:cNvPr id="2" name="标题 1">
             <a:extLst>
               <a:ext uri="{FF2B5EF4-FFF2-40B4-BE49-F238E27FC236}">
-                <a16:creationId xmlns:a16="http://schemas.microsoft.com/office/drawing/2014/main" id="{92833D47-2F6F-5314-3FFF-833446AE88B7}"/>
+                <a16:creationId xmlns:a16="http://schemas.microsoft.com/office/drawing/2014/main" id="{ADA171E8-D64F-0F02-7489-7304483D122F}"/>
               </a:ext>
             </a:extLst>
           </p:cNvPr>
@@ -1933,7 +1933,7 @@
           <p:cNvPr id="3" name="日期占位符 2">
             <a:extLst>
               <a:ext uri="{FF2B5EF4-FFF2-40B4-BE49-F238E27FC236}">
-                <a16:creationId xmlns:a16="http://schemas.microsoft.com/office/drawing/2014/main" id="{7D111791-3246-67FC-5E72-07F17D3ECBF4}"/>
+                <a16:creationId xmlns:a16="http://schemas.microsoft.com/office/drawing/2014/main" id="{10E8703A-00BB-1E88-771C-92C981099259}"/>
               </a:ext>
             </a:extLst>
           </p:cNvPr>
@@ -1949,7 +1949,7 @@
           <a:bodyPr/>
           <a:lstStyle/>
           <a:p>
-            <a:fld id="{742BCA3B-9737-423D-B33C-ABDC4C60E29A}" type="datetimeFigureOut">
+            <a:fld id="{38626AFF-ECEA-4C63-A9B6-BC7D69B196AF}" type="datetimeFigureOut">
               <a:rPr lang="zh-CN" altLang="en-US" smtClean="0"/>
               <a:t>2024/3/10</a:t>
             </a:fld>
@@ -1962,7 +1962,7 @@
           <p:cNvPr id="4" name="页脚占位符 3">
             <a:extLst>
               <a:ext uri="{FF2B5EF4-FFF2-40B4-BE49-F238E27FC236}">
-                <a16:creationId xmlns:a16="http://schemas.microsoft.com/office/drawing/2014/main" id="{B3DEE24A-0566-A51F-5112-E546D0F09F3F}"/>
+                <a16:creationId xmlns:a16="http://schemas.microsoft.com/office/drawing/2014/main" id="{AFE2A9DE-2C18-CC6A-1E86-9F1AB0314E47}"/>
               </a:ext>
             </a:extLst>
           </p:cNvPr>
@@ -1987,7 +1987,7 @@
           <p:cNvPr id="5" name="灯片编号占位符 4">
             <a:extLst>
               <a:ext uri="{FF2B5EF4-FFF2-40B4-BE49-F238E27FC236}">
-                <a16:creationId xmlns:a16="http://schemas.microsoft.com/office/drawing/2014/main" id="{B37EC319-DE1F-21F8-C465-D58DBFFD866F}"/>
+                <a16:creationId xmlns:a16="http://schemas.microsoft.com/office/drawing/2014/main" id="{E1D237F3-5CEE-68E5-571A-9EB86D3476D1}"/>
               </a:ext>
             </a:extLst>
           </p:cNvPr>
@@ -2003,7 +2003,7 @@
           <a:bodyPr/>
           <a:lstStyle/>
           <a:p>
-            <a:fld id="{21E18E5E-FA1F-4AF6-9AE0-34144E482704}" type="slidenum">
+            <a:fld id="{02F9E863-3178-4685-A8DC-D4C4D335DA89}" type="slidenum">
               <a:rPr lang="zh-CN" altLang="en-US" smtClean="0"/>
               <a:t>‹#›</a:t>
             </a:fld>
@@ -2014,7 +2014,7 @@
     </p:spTree>
     <p:extLst>
       <p:ext uri="{BB962C8B-B14F-4D97-AF65-F5344CB8AC3E}">
-        <p14:creationId xmlns:p14="http://schemas.microsoft.com/office/powerpoint/2010/main" val="2074291867"/>
+        <p14:creationId xmlns:p14="http://schemas.microsoft.com/office/powerpoint/2010/main" val="3164710944"/>
       </p:ext>
     </p:extLst>
   </p:cSld>
@@ -2046,7 +2046,7 @@
           <p:cNvPr id="2" name="日期占位符 1">
             <a:extLst>
               <a:ext uri="{FF2B5EF4-FFF2-40B4-BE49-F238E27FC236}">
-                <a16:creationId xmlns:a16="http://schemas.microsoft.com/office/drawing/2014/main" id="{D22C0494-C60D-06A7-9339-46497D7796B0}"/>
+                <a16:creationId xmlns:a16="http://schemas.microsoft.com/office/drawing/2014/main" id="{138E12C5-2FDE-C82B-BF4B-C6BEC110D144}"/>
               </a:ext>
             </a:extLst>
           </p:cNvPr>
@@ -2062,7 +2062,7 @@
           <a:bodyPr/>
           <a:lstStyle/>
           <a:p>
-            <a:fld id="{742BCA3B-9737-423D-B33C-ABDC4C60E29A}" type="datetimeFigureOut">
+            <a:fld id="{38626AFF-ECEA-4C63-A9B6-BC7D69B196AF}" type="datetimeFigureOut">
               <a:rPr lang="zh-CN" altLang="en-US" smtClean="0"/>
               <a:t>2024/3/10</a:t>
             </a:fld>
@@ -2075,7 +2075,7 @@
           <p:cNvPr id="3" name="页脚占位符 2">
             <a:extLst>
               <a:ext uri="{FF2B5EF4-FFF2-40B4-BE49-F238E27FC236}">
-                <a16:creationId xmlns:a16="http://schemas.microsoft.com/office/drawing/2014/main" id="{1305B8B8-4516-667A-5A80-837BC0312CE5}"/>
+                <a16:creationId xmlns:a16="http://schemas.microsoft.com/office/drawing/2014/main" id="{237027DD-AC6A-8485-4087-D77510479A8D}"/>
               </a:ext>
             </a:extLst>
           </p:cNvPr>
@@ -2100,7 +2100,7 @@
           <p:cNvPr id="4" name="灯片编号占位符 3">
             <a:extLst>
               <a:ext uri="{FF2B5EF4-FFF2-40B4-BE49-F238E27FC236}">
-                <a16:creationId xmlns:a16="http://schemas.microsoft.com/office/drawing/2014/main" id="{D35A7598-4937-BA66-B7DA-C2EAC007F2F8}"/>
+                <a16:creationId xmlns:a16="http://schemas.microsoft.com/office/drawing/2014/main" id="{5EE6DB7A-BE34-99BD-B4AC-127818986F59}"/>
               </a:ext>
             </a:extLst>
           </p:cNvPr>
@@ -2116,7 +2116,7 @@
           <a:bodyPr/>
           <a:lstStyle/>
           <a:p>
-            <a:fld id="{21E18E5E-FA1F-4AF6-9AE0-34144E482704}" type="slidenum">
+            <a:fld id="{02F9E863-3178-4685-A8DC-D4C4D335DA89}" type="slidenum">
               <a:rPr lang="zh-CN" altLang="en-US" smtClean="0"/>
               <a:t>‹#›</a:t>
             </a:fld>
@@ -2127,7 +2127,7 @@
     </p:spTree>
     <p:extLst>
       <p:ext uri="{BB962C8B-B14F-4D97-AF65-F5344CB8AC3E}">
-        <p14:creationId xmlns:p14="http://schemas.microsoft.com/office/powerpoint/2010/main" val="2224558591"/>
+        <p14:creationId xmlns:p14="http://schemas.microsoft.com/office/powerpoint/2010/main" val="418474247"/>
       </p:ext>
     </p:extLst>
   </p:cSld>
@@ -2159,7 +2159,7 @@
           <p:cNvPr id="2" name="标题 1">
             <a:extLst>
               <a:ext uri="{FF2B5EF4-FFF2-40B4-BE49-F238E27FC236}">
-                <a16:creationId xmlns:a16="http://schemas.microsoft.com/office/drawing/2014/main" id="{E7D84BC5-9634-57E5-BA8A-EED2A885695C}"/>
+                <a16:creationId xmlns:a16="http://schemas.microsoft.com/office/drawing/2014/main" id="{C47B3E32-E63D-B752-332A-691B537FCEF1}"/>
               </a:ext>
             </a:extLst>
           </p:cNvPr>
@@ -2196,7 +2196,7 @@
           <p:cNvPr id="3" name="内容占位符 2">
             <a:extLst>
               <a:ext uri="{FF2B5EF4-FFF2-40B4-BE49-F238E27FC236}">
-                <a16:creationId xmlns:a16="http://schemas.microsoft.com/office/drawing/2014/main" id="{F6A20AB7-98D6-0F07-30C7-960B4AB6C474}"/>
+                <a16:creationId xmlns:a16="http://schemas.microsoft.com/office/drawing/2014/main" id="{D86AE201-A957-A121-942C-D7FC7882C21F}"/>
               </a:ext>
             </a:extLst>
           </p:cNvPr>
@@ -2286,7 +2286,7 @@
           <p:cNvPr id="4" name="文本占位符 3">
             <a:extLst>
               <a:ext uri="{FF2B5EF4-FFF2-40B4-BE49-F238E27FC236}">
-                <a16:creationId xmlns:a16="http://schemas.microsoft.com/office/drawing/2014/main" id="{AE1EDDA4-0C86-0E92-E0EA-6848D24DFF92}"/>
+                <a16:creationId xmlns:a16="http://schemas.microsoft.com/office/drawing/2014/main" id="{711D4B6E-7916-8FC5-4132-DA77521F29E8}"/>
               </a:ext>
             </a:extLst>
           </p:cNvPr>
@@ -2357,7 +2357,7 @@
           <p:cNvPr id="5" name="日期占位符 4">
             <a:extLst>
               <a:ext uri="{FF2B5EF4-FFF2-40B4-BE49-F238E27FC236}">
-                <a16:creationId xmlns:a16="http://schemas.microsoft.com/office/drawing/2014/main" id="{1D802C3F-BEB1-99D7-3512-757D04C529E1}"/>
+                <a16:creationId xmlns:a16="http://schemas.microsoft.com/office/drawing/2014/main" id="{9002809F-3341-A83E-59DB-B13FC907FDE9}"/>
               </a:ext>
             </a:extLst>
           </p:cNvPr>
@@ -2373,7 +2373,7 @@
           <a:bodyPr/>
           <a:lstStyle/>
           <a:p>
-            <a:fld id="{742BCA3B-9737-423D-B33C-ABDC4C60E29A}" type="datetimeFigureOut">
+            <a:fld id="{38626AFF-ECEA-4C63-A9B6-BC7D69B196AF}" type="datetimeFigureOut">
               <a:rPr lang="zh-CN" altLang="en-US" smtClean="0"/>
               <a:t>2024/3/10</a:t>
             </a:fld>
@@ -2386,7 +2386,7 @@
           <p:cNvPr id="6" name="页脚占位符 5">
             <a:extLst>
               <a:ext uri="{FF2B5EF4-FFF2-40B4-BE49-F238E27FC236}">
-                <a16:creationId xmlns:a16="http://schemas.microsoft.com/office/drawing/2014/main" id="{3DB50995-95DC-E7EE-D798-A7ECF897063B}"/>
+                <a16:creationId xmlns:a16="http://schemas.microsoft.com/office/drawing/2014/main" id="{41C65631-B34B-B7FA-3269-E0B0E2D1E142}"/>
               </a:ext>
             </a:extLst>
           </p:cNvPr>
@@ -2411,7 +2411,7 @@
           <p:cNvPr id="7" name="灯片编号占位符 6">
             <a:extLst>
               <a:ext uri="{FF2B5EF4-FFF2-40B4-BE49-F238E27FC236}">
-                <a16:creationId xmlns:a16="http://schemas.microsoft.com/office/drawing/2014/main" id="{B9BD9843-B94F-A7AF-2A0F-82B9A6CF2523}"/>
+                <a16:creationId xmlns:a16="http://schemas.microsoft.com/office/drawing/2014/main" id="{8FF303EF-2803-A6C1-3CF6-4C52C2BB5266}"/>
               </a:ext>
             </a:extLst>
           </p:cNvPr>
@@ -2427,7 +2427,7 @@
           <a:bodyPr/>
           <a:lstStyle/>
           <a:p>
-            <a:fld id="{21E18E5E-FA1F-4AF6-9AE0-34144E482704}" type="slidenum">
+            <a:fld id="{02F9E863-3178-4685-A8DC-D4C4D335DA89}" type="slidenum">
               <a:rPr lang="zh-CN" altLang="en-US" smtClean="0"/>
               <a:t>‹#›</a:t>
             </a:fld>
@@ -2438,7 +2438,7 @@
     </p:spTree>
     <p:extLst>
       <p:ext uri="{BB962C8B-B14F-4D97-AF65-F5344CB8AC3E}">
-        <p14:creationId xmlns:p14="http://schemas.microsoft.com/office/powerpoint/2010/main" val="171829720"/>
+        <p14:creationId xmlns:p14="http://schemas.microsoft.com/office/powerpoint/2010/main" val="928586143"/>
       </p:ext>
     </p:extLst>
   </p:cSld>
@@ -2470,7 +2470,7 @@
           <p:cNvPr id="2" name="标题 1">
             <a:extLst>
               <a:ext uri="{FF2B5EF4-FFF2-40B4-BE49-F238E27FC236}">
-                <a16:creationId xmlns:a16="http://schemas.microsoft.com/office/drawing/2014/main" id="{F01A5C77-C9A9-A20E-C8DE-3ADD3FE8F1B2}"/>
+                <a16:creationId xmlns:a16="http://schemas.microsoft.com/office/drawing/2014/main" id="{3E97A4D0-8249-FB24-F19A-0FF8421B6A78}"/>
               </a:ext>
             </a:extLst>
           </p:cNvPr>
@@ -2507,7 +2507,7 @@
           <p:cNvPr id="3" name="图片占位符 2">
             <a:extLst>
               <a:ext uri="{FF2B5EF4-FFF2-40B4-BE49-F238E27FC236}">
-                <a16:creationId xmlns:a16="http://schemas.microsoft.com/office/drawing/2014/main" id="{FE50EBDD-D1FD-46F9-0D61-BB4CB71C3D89}"/>
+                <a16:creationId xmlns:a16="http://schemas.microsoft.com/office/drawing/2014/main" id="{8875BC2A-CAAC-F7A6-0372-C5BC0BF83F28}"/>
               </a:ext>
             </a:extLst>
           </p:cNvPr>
@@ -2574,7 +2574,7 @@
           <p:cNvPr id="4" name="文本占位符 3">
             <a:extLst>
               <a:ext uri="{FF2B5EF4-FFF2-40B4-BE49-F238E27FC236}">
-                <a16:creationId xmlns:a16="http://schemas.microsoft.com/office/drawing/2014/main" id="{67AF6579-C7A8-E7A3-387D-0CFF51C3BB0B}"/>
+                <a16:creationId xmlns:a16="http://schemas.microsoft.com/office/drawing/2014/main" id="{3E0A8FB1-047D-CC58-102E-3794F93F1539}"/>
               </a:ext>
             </a:extLst>
           </p:cNvPr>
@@ -2645,7 +2645,7 @@
           <p:cNvPr id="5" name="日期占位符 4">
             <a:extLst>
               <a:ext uri="{FF2B5EF4-FFF2-40B4-BE49-F238E27FC236}">
-                <a16:creationId xmlns:a16="http://schemas.microsoft.com/office/drawing/2014/main" id="{B9FF096B-E2C4-C2D4-3AAA-182C12ACA8AB}"/>
+                <a16:creationId xmlns:a16="http://schemas.microsoft.com/office/drawing/2014/main" id="{4F90B638-CEAE-122E-76E5-A8CAF0DCF7BC}"/>
               </a:ext>
             </a:extLst>
           </p:cNvPr>
@@ -2661,7 +2661,7 @@
           <a:bodyPr/>
           <a:lstStyle/>
           <a:p>
-            <a:fld id="{742BCA3B-9737-423D-B33C-ABDC4C60E29A}" type="datetimeFigureOut">
+            <a:fld id="{38626AFF-ECEA-4C63-A9B6-BC7D69B196AF}" type="datetimeFigureOut">
               <a:rPr lang="zh-CN" altLang="en-US" smtClean="0"/>
               <a:t>2024/3/10</a:t>
             </a:fld>
@@ -2674,7 +2674,7 @@
           <p:cNvPr id="6" name="页脚占位符 5">
             <a:extLst>
               <a:ext uri="{FF2B5EF4-FFF2-40B4-BE49-F238E27FC236}">
-                <a16:creationId xmlns:a16="http://schemas.microsoft.com/office/drawing/2014/main" id="{FBFD9FE1-1798-396D-4150-F1041779A2CF}"/>
+                <a16:creationId xmlns:a16="http://schemas.microsoft.com/office/drawing/2014/main" id="{9D30353B-5978-5CBF-445D-FBBC18CD8753}"/>
               </a:ext>
             </a:extLst>
           </p:cNvPr>
@@ -2699,7 +2699,7 @@
           <p:cNvPr id="7" name="灯片编号占位符 6">
             <a:extLst>
               <a:ext uri="{FF2B5EF4-FFF2-40B4-BE49-F238E27FC236}">
-                <a16:creationId xmlns:a16="http://schemas.microsoft.com/office/drawing/2014/main" id="{3DE42EA1-1192-3D0B-4997-71772967AF50}"/>
+                <a16:creationId xmlns:a16="http://schemas.microsoft.com/office/drawing/2014/main" id="{4643D888-7F9C-DA43-DCC8-D713C2AE44C5}"/>
               </a:ext>
             </a:extLst>
           </p:cNvPr>
@@ -2715,7 +2715,7 @@
           <a:bodyPr/>
           <a:lstStyle/>
           <a:p>
-            <a:fld id="{21E18E5E-FA1F-4AF6-9AE0-34144E482704}" type="slidenum">
+            <a:fld id="{02F9E863-3178-4685-A8DC-D4C4D335DA89}" type="slidenum">
               <a:rPr lang="zh-CN" altLang="en-US" smtClean="0"/>
               <a:t>‹#›</a:t>
             </a:fld>
@@ -2726,7 +2726,7 @@
     </p:spTree>
     <p:extLst>
       <p:ext uri="{BB962C8B-B14F-4D97-AF65-F5344CB8AC3E}">
-        <p14:creationId xmlns:p14="http://schemas.microsoft.com/office/powerpoint/2010/main" val="565004386"/>
+        <p14:creationId xmlns:p14="http://schemas.microsoft.com/office/powerpoint/2010/main" val="933720824"/>
       </p:ext>
     </p:extLst>
   </p:cSld>
@@ -2763,7 +2763,7 @@
           <p:cNvPr id="2" name="标题占位符 1">
             <a:extLst>
               <a:ext uri="{FF2B5EF4-FFF2-40B4-BE49-F238E27FC236}">
-                <a16:creationId xmlns:a16="http://schemas.microsoft.com/office/drawing/2014/main" id="{6F1C6C83-4F31-02B0-7121-FCFBFDCF146D}"/>
+                <a16:creationId xmlns:a16="http://schemas.microsoft.com/office/drawing/2014/main" id="{A593906A-BC89-C000-1C99-A3182EDD220A}"/>
               </a:ext>
             </a:extLst>
           </p:cNvPr>
@@ -2801,7 +2801,7 @@
           <p:cNvPr id="3" name="文本占位符 2">
             <a:extLst>
               <a:ext uri="{FF2B5EF4-FFF2-40B4-BE49-F238E27FC236}">
-                <a16:creationId xmlns:a16="http://schemas.microsoft.com/office/drawing/2014/main" id="{7469275A-4655-EA97-B267-F67E3AC9F542}"/>
+                <a16:creationId xmlns:a16="http://schemas.microsoft.com/office/drawing/2014/main" id="{D4498C13-8D86-ADBA-EB58-9FDADD489C45}"/>
               </a:ext>
             </a:extLst>
           </p:cNvPr>
@@ -2868,7 +2868,7 @@
           <p:cNvPr id="4" name="日期占位符 3">
             <a:extLst>
               <a:ext uri="{FF2B5EF4-FFF2-40B4-BE49-F238E27FC236}">
-                <a16:creationId xmlns:a16="http://schemas.microsoft.com/office/drawing/2014/main" id="{42E94289-1E53-1235-F396-4E9CBFEF6F69}"/>
+                <a16:creationId xmlns:a16="http://schemas.microsoft.com/office/drawing/2014/main" id="{3112D7B8-9E24-CB2C-899B-D228E8F89434}"/>
               </a:ext>
             </a:extLst>
           </p:cNvPr>
@@ -2902,7 +2902,7 @@
             </a:lvl1pPr>
           </a:lstStyle>
           <a:p>
-            <a:fld id="{742BCA3B-9737-423D-B33C-ABDC4C60E29A}" type="datetimeFigureOut">
+            <a:fld id="{38626AFF-ECEA-4C63-A9B6-BC7D69B196AF}" type="datetimeFigureOut">
               <a:rPr lang="zh-CN" altLang="en-US" smtClean="0"/>
               <a:t>2024/3/10</a:t>
             </a:fld>
@@ -2915,7 +2915,7 @@
           <p:cNvPr id="5" name="页脚占位符 4">
             <a:extLst>
               <a:ext uri="{FF2B5EF4-FFF2-40B4-BE49-F238E27FC236}">
-                <a16:creationId xmlns:a16="http://schemas.microsoft.com/office/drawing/2014/main" id="{1213FAFB-572B-7C51-52BC-216AF9D78D89}"/>
+                <a16:creationId xmlns:a16="http://schemas.microsoft.com/office/drawing/2014/main" id="{F6DF8BF7-62BB-AD3A-4C6E-42BAB7D32115}"/>
               </a:ext>
             </a:extLst>
           </p:cNvPr>
@@ -2958,7 +2958,7 @@
           <p:cNvPr id="6" name="灯片编号占位符 5">
             <a:extLst>
               <a:ext uri="{FF2B5EF4-FFF2-40B4-BE49-F238E27FC236}">
-                <a16:creationId xmlns:a16="http://schemas.microsoft.com/office/drawing/2014/main" id="{60190E5F-4FFB-12D5-B852-671DD1E32B50}"/>
+                <a16:creationId xmlns:a16="http://schemas.microsoft.com/office/drawing/2014/main" id="{462A3581-696C-30A6-EA3A-8ADA8CE3346E}"/>
               </a:ext>
             </a:extLst>
           </p:cNvPr>
@@ -2992,7 +2992,7 @@
             </a:lvl1pPr>
           </a:lstStyle>
           <a:p>
-            <a:fld id="{21E18E5E-FA1F-4AF6-9AE0-34144E482704}" type="slidenum">
+            <a:fld id="{02F9E863-3178-4685-A8DC-D4C4D335DA89}" type="slidenum">
               <a:rPr lang="zh-CN" altLang="en-US" smtClean="0"/>
               <a:t>‹#›</a:t>
             </a:fld>
@@ -3003,7 +3003,7 @@
     </p:spTree>
     <p:extLst>
       <p:ext uri="{BB962C8B-B14F-4D97-AF65-F5344CB8AC3E}">
-        <p14:creationId xmlns:p14="http://schemas.microsoft.com/office/powerpoint/2010/main" val="649605010"/>
+        <p14:creationId xmlns:p14="http://schemas.microsoft.com/office/powerpoint/2010/main" val="884764059"/>
       </p:ext>
     </p:extLst>
   </p:cSld>
